--- a/Slides.pptx
+++ b/Slides.pptx
@@ -12,8 +12,6 @@
     <p:sldId id="258" r:id="rId6"/>
     <p:sldId id="264" r:id="rId7"/>
     <p:sldId id="262" r:id="rId8"/>
-    <p:sldId id="263" r:id="rId9"/>
-    <p:sldId id="265" r:id="rId10"/>
   </p:sldIdLst>
   <p:sldSz cx="12192000" cy="6858000"/>
   <p:notesSz cx="6858000" cy="9144000"/>
@@ -112,6 +110,11 @@
       </a:defRPr>
     </a:lvl9pPr>
   </p:defaultTextStyle>
+  <p:extLst>
+    <p:ext uri="{EFAFB233-063F-42B5-8137-9DF3F51BA10A}">
+      <p15:sldGuideLst xmlns:p15="http://schemas.microsoft.com/office/powerpoint/2012/main"/>
+    </p:ext>
+  </p:extLst>
 </p:presentation>
 </file>
 
@@ -1330,7 +1333,7 @@
           <a:p>
             <a:fld id="{3F2CFAB7-42A9-4046-AB5C-7C70E552A619}" type="datetimeFigureOut">
               <a:rPr lang="fr-CA" smtClean="0"/>
-              <a:t>2018-01-22</a:t>
+              <a:t>2018-01-24</a:t>
             </a:fld>
             <a:endParaRPr lang="fr-CA"/>
           </a:p>
@@ -1568,7 +1571,7 @@
           <a:p>
             <a:fld id="{3F2CFAB7-42A9-4046-AB5C-7C70E552A619}" type="datetimeFigureOut">
               <a:rPr lang="fr-CA" smtClean="0"/>
-              <a:t>2018-01-22</a:t>
+              <a:t>2018-01-24</a:t>
             </a:fld>
             <a:endParaRPr lang="fr-CA"/>
           </a:p>
@@ -1748,7 +1751,7 @@
           <a:p>
             <a:fld id="{3F2CFAB7-42A9-4046-AB5C-7C70E552A619}" type="datetimeFigureOut">
               <a:rPr lang="fr-CA" smtClean="0"/>
-              <a:t>2018-01-22</a:t>
+              <a:t>2018-01-24</a:t>
             </a:fld>
             <a:endParaRPr lang="fr-CA"/>
           </a:p>
@@ -1937,7 +1940,7 @@
           <a:p>
             <a:fld id="{3F2CFAB7-42A9-4046-AB5C-7C70E552A619}" type="datetimeFigureOut">
               <a:rPr lang="fr-CA" smtClean="0"/>
-              <a:t>2018-01-22</a:t>
+              <a:t>2018-01-24</a:t>
             </a:fld>
             <a:endParaRPr lang="fr-CA"/>
           </a:p>
@@ -2213,7 +2216,7 @@
           <a:p>
             <a:fld id="{3F2CFAB7-42A9-4046-AB5C-7C70E552A619}" type="datetimeFigureOut">
               <a:rPr lang="fr-CA" smtClean="0"/>
-              <a:t>2018-01-22</a:t>
+              <a:t>2018-01-24</a:t>
             </a:fld>
             <a:endParaRPr lang="fr-CA"/>
           </a:p>
@@ -3414,7 +3417,7 @@
           <a:p>
             <a:fld id="{3F2CFAB7-42A9-4046-AB5C-7C70E552A619}" type="datetimeFigureOut">
               <a:rPr lang="fr-CA" smtClean="0"/>
-              <a:t>2018-01-22</a:t>
+              <a:t>2018-01-24</a:t>
             </a:fld>
             <a:endParaRPr lang="fr-CA"/>
           </a:p>
@@ -3804,7 +3807,7 @@
           <a:p>
             <a:fld id="{3F2CFAB7-42A9-4046-AB5C-7C70E552A619}" type="datetimeFigureOut">
               <a:rPr lang="fr-CA" smtClean="0"/>
-              <a:t>2018-01-22</a:t>
+              <a:t>2018-01-24</a:t>
             </a:fld>
             <a:endParaRPr lang="fr-CA"/>
           </a:p>
@@ -3927,7 +3930,7 @@
           <a:p>
             <a:fld id="{3F2CFAB7-42A9-4046-AB5C-7C70E552A619}" type="datetimeFigureOut">
               <a:rPr lang="fr-CA" smtClean="0"/>
-              <a:t>2018-01-22</a:t>
+              <a:t>2018-01-24</a:t>
             </a:fld>
             <a:endParaRPr lang="fr-CA"/>
           </a:p>
@@ -4022,7 +4025,7 @@
           <a:p>
             <a:fld id="{3F2CFAB7-42A9-4046-AB5C-7C70E552A619}" type="datetimeFigureOut">
               <a:rPr lang="fr-CA" smtClean="0"/>
-              <a:t>2018-01-22</a:t>
+              <a:t>2018-01-24</a:t>
             </a:fld>
             <a:endParaRPr lang="fr-CA"/>
           </a:p>
@@ -4785,7 +4788,7 @@
           <a:p>
             <a:fld id="{3F2CFAB7-42A9-4046-AB5C-7C70E552A619}" type="datetimeFigureOut">
               <a:rPr lang="fr-CA" smtClean="0"/>
-              <a:t>2018-01-22</a:t>
+              <a:t>2018-01-24</a:t>
             </a:fld>
             <a:endParaRPr lang="fr-CA"/>
           </a:p>
@@ -5625,7 +5628,7 @@
           <a:p>
             <a:fld id="{3F2CFAB7-42A9-4046-AB5C-7C70E552A619}" type="datetimeFigureOut">
               <a:rPr lang="fr-CA" smtClean="0"/>
-              <a:t>2018-01-22</a:t>
+              <a:t>2018-01-24</a:t>
             </a:fld>
             <a:endParaRPr lang="fr-CA"/>
           </a:p>
@@ -5852,7 +5855,7 @@
           <a:p>
             <a:fld id="{3F2CFAB7-42A9-4046-AB5C-7C70E552A619}" type="datetimeFigureOut">
               <a:rPr lang="fr-CA" smtClean="0"/>
-              <a:t>2018-01-22</a:t>
+              <a:t>2018-01-24</a:t>
             </a:fld>
             <a:endParaRPr lang="fr-CA"/>
           </a:p>
@@ -7566,9 +7569,16 @@
             <p:ph idx="1"/>
           </p:nvPr>
         </p:nvSpPr>
-        <p:spPr/>
+        <p:spPr>
+          <a:xfrm>
+            <a:off x="1251678" y="2286001"/>
+            <a:ext cx="10178322" cy="4189614"/>
+          </a:xfrm>
+        </p:spPr>
         <p:txBody>
-          <a:bodyPr/>
+          <a:bodyPr>
+            <a:normAutofit/>
+          </a:bodyPr>
           <a:lstStyle/>
           <a:p>
             <a:r>
@@ -7588,30 +7598,37 @@
             <a:pPr lvl="1"/>
             <a:r>
               <a:rPr lang="fr-CA" dirty="0"/>
-              <a:t> Fourni un output détaillé</a:t>
+              <a:t> -x : arrêter après le premier échec</a:t>
             </a:r>
           </a:p>
           <a:p>
             <a:pPr lvl="1"/>
             <a:r>
               <a:rPr lang="fr-CA" dirty="0"/>
-              <a:t> </a:t>
+              <a:t> -s : ne pas capturer l’output (p.ex., ‘</a:t>
             </a:r>
             <a:r>
               <a:rPr lang="fr-CA" dirty="0" err="1"/>
-              <a:t>Cheat</a:t>
+              <a:t>print</a:t>
             </a:r>
             <a:r>
               <a:rPr lang="fr-CA" dirty="0"/>
-              <a:t> </a:t>
+              <a:t>’)</a:t>
+            </a:r>
+          </a:p>
+          <a:p>
+            <a:pPr lvl="1"/>
+            <a:r>
+              <a:rPr lang="fr-CA" dirty="0"/>
+              <a:t> -v / -q : </a:t>
             </a:r>
             <a:r>
               <a:rPr lang="fr-CA" dirty="0" err="1"/>
-              <a:t>sheet</a:t>
+              <a:t>verbose</a:t>
             </a:r>
             <a:r>
               <a:rPr lang="fr-CA" dirty="0"/>
-              <a:t> : http://bit.ly/2DtNIfQ</a:t>
+              <a:t> / quiet</a:t>
             </a:r>
           </a:p>
           <a:p>
@@ -7751,23 +7768,25 @@
             </a:r>
           </a:p>
           <a:p>
-            <a:pPr lvl="1"/>
-            <a:r>
-              <a:rPr lang="fr-CA" dirty="0"/>
-              <a:t> </a:t>
-            </a:r>
-            <a:r>
-              <a:rPr lang="fr-CA" i="1" dirty="0" err="1"/>
-              <a:t>Hidden</a:t>
-            </a:r>
             <a:r>
               <a:rPr lang="fr-CA" i="1" dirty="0"/>
-              <a:t> constant</a:t>
-            </a:r>
-          </a:p>
-          <a:p>
-            <a:r>
-              <a:rPr lang="fr-CA" dirty="0"/>
+              <a:t> n-back</a:t>
+            </a:r>
+          </a:p>
+          <a:p>
+            <a:r>
+              <a:rPr lang="fr-CA" i="1" dirty="0"/>
+              <a:t> No adjacent </a:t>
+            </a:r>
+            <a:r>
+              <a:rPr lang="fr-CA" i="1"/>
+              <a:t>integers</a:t>
+            </a:r>
+            <a:endParaRPr lang="fr-CA" i="1" dirty="0"/>
+          </a:p>
+          <a:p>
+            <a:r>
+              <a:rPr lang="fr-CA" i="1" dirty="0"/>
               <a:t> </a:t>
             </a:r>
             <a:r>
@@ -7778,36 +7797,8 @@
               <a:rPr lang="fr-CA" i="1" dirty="0"/>
               <a:t> the pattern</a:t>
             </a:r>
-            <a:endParaRPr lang="fr-CA" dirty="0"/>
-          </a:p>
-          <a:p>
-            <a:r>
-              <a:rPr lang="fr-CA" i="1" dirty="0"/>
-              <a:t> n-back</a:t>
-            </a:r>
-            <a:endParaRPr lang="fr-CA" dirty="0"/>
-          </a:p>
-          <a:p>
-            <a:r>
-              <a:rPr lang="fr-CA" dirty="0"/>
-              <a:t> </a:t>
-            </a:r>
-            <a:r>
-              <a:rPr lang="fr-CA" i="1" dirty="0"/>
-              <a:t>Non-adjacent </a:t>
-            </a:r>
-            <a:r>
-              <a:rPr lang="fr-CA" i="1" dirty="0" err="1"/>
-              <a:t>numbers</a:t>
-            </a:r>
-            <a:r>
-              <a:rPr lang="fr-CA" i="1" dirty="0"/>
-              <a:t> </a:t>
-            </a:r>
-            <a:r>
-              <a:rPr lang="fr-CA" i="1" dirty="0" err="1"/>
-              <a:t>generator</a:t>
-            </a:r>
+          </a:p>
+          <a:p>
             <a:endParaRPr lang="fr-CA" dirty="0"/>
           </a:p>
         </p:txBody>
@@ -7816,221 +7807,6 @@
     <p:extLst>
       <p:ext uri="{BB962C8B-B14F-4D97-AF65-F5344CB8AC3E}">
         <p14:creationId xmlns:p14="http://schemas.microsoft.com/office/powerpoint/2010/main" val="2022631557"/>
-      </p:ext>
-    </p:extLst>
-  </p:cSld>
-  <p:clrMapOvr>
-    <a:masterClrMapping/>
-  </p:clrMapOvr>
-</p:sld>
-</file>
-
-<file path=ppt/slides/slide8.xml><?xml version="1.0" encoding="utf-8"?>
-<p:sld xmlns:a="http://schemas.openxmlformats.org/drawingml/2006/main" xmlns:r="http://schemas.openxmlformats.org/officeDocument/2006/relationships" xmlns:p="http://schemas.openxmlformats.org/presentationml/2006/main">
-  <p:cSld>
-    <p:spTree>
-      <p:nvGrpSpPr>
-        <p:cNvPr id="1" name=""/>
-        <p:cNvGrpSpPr/>
-        <p:nvPr/>
-      </p:nvGrpSpPr>
-      <p:grpSpPr>
-        <a:xfrm>
-          <a:off x="0" y="0"/>
-          <a:ext cx="0" cy="0"/>
-          <a:chOff x="0" y="0"/>
-          <a:chExt cx="0" cy="0"/>
-        </a:xfrm>
-      </p:grpSpPr>
-      <p:sp>
-        <p:nvSpPr>
-          <p:cNvPr id="2" name="Titre 1">
-            <a:extLst>
-              <a:ext uri="{FF2B5EF4-FFF2-40B4-BE49-F238E27FC236}">
-                <a16:creationId xmlns:a16="http://schemas.microsoft.com/office/drawing/2014/main" id="{A4315FAE-FDF6-41D2-B8F8-58034C75902B}"/>
-              </a:ext>
-            </a:extLst>
-          </p:cNvPr>
-          <p:cNvSpPr>
-            <a:spLocks noGrp="1"/>
-          </p:cNvSpPr>
-          <p:nvPr>
-            <p:ph type="title"/>
-          </p:nvPr>
-        </p:nvSpPr>
-        <p:spPr/>
-        <p:txBody>
-          <a:bodyPr>
-            <a:normAutofit/>
-          </a:bodyPr>
-          <a:lstStyle/>
-          <a:p>
-            <a:r>
-              <a:rPr lang="fr-CA" dirty="0" err="1"/>
-              <a:t>Sum</a:t>
-            </a:r>
-            <a:r>
-              <a:rPr lang="fr-CA" dirty="0"/>
-              <a:t> of </a:t>
-            </a:r>
-            <a:r>
-              <a:rPr lang="fr-CA" dirty="0" err="1"/>
-              <a:t>ints</a:t>
-            </a:r>
-            <a:r>
-              <a:rPr lang="fr-CA" dirty="0"/>
-              <a:t> in string</a:t>
-            </a:r>
-          </a:p>
-        </p:txBody>
-      </p:sp>
-      <p:sp>
-        <p:nvSpPr>
-          <p:cNvPr id="3" name="Espace réservé du contenu 2">
-            <a:extLst>
-              <a:ext uri="{FF2B5EF4-FFF2-40B4-BE49-F238E27FC236}">
-                <a16:creationId xmlns:a16="http://schemas.microsoft.com/office/drawing/2014/main" id="{B3985A5D-D94D-4583-B2D5-0D7AA6A5ED39}"/>
-              </a:ext>
-            </a:extLst>
-          </p:cNvPr>
-          <p:cNvSpPr>
-            <a:spLocks noGrp="1"/>
-          </p:cNvSpPr>
-          <p:nvPr>
-            <p:ph idx="1"/>
-          </p:nvPr>
-        </p:nvSpPr>
-        <p:spPr/>
-        <p:txBody>
-          <a:bodyPr/>
-          <a:lstStyle/>
-          <a:p>
-            <a:r>
-              <a:rPr lang="fr-CA" dirty="0"/>
-              <a:t> Exemples :</a:t>
-            </a:r>
-          </a:p>
-          <a:p>
-            <a:pPr lvl="1"/>
-            <a:r>
-              <a:rPr lang="fr-CA" dirty="0"/>
-              <a:t> ‘2 * 2 = ’ -&gt; 4</a:t>
-            </a:r>
-          </a:p>
-          <a:p>
-            <a:pPr lvl="1"/>
-            <a:r>
-              <a:rPr lang="fr-CA" dirty="0"/>
-              <a:t> ‘Je possède 2 chats et 15 chiens’ -&gt; 17</a:t>
-            </a:r>
-          </a:p>
-          <a:p>
-            <a:r>
-              <a:rPr lang="fr-CA" dirty="0"/>
-              <a:t> Nommer votre fonction ‘</a:t>
-            </a:r>
-            <a:r>
-              <a:rPr lang="fr-CA" dirty="0" err="1"/>
-              <a:t>sum_integers_in_string</a:t>
-            </a:r>
-            <a:r>
-              <a:rPr lang="fr-CA" dirty="0"/>
-              <a:t>()’</a:t>
-            </a:r>
-          </a:p>
-        </p:txBody>
-      </p:sp>
-    </p:spTree>
-    <p:extLst>
-      <p:ext uri="{BB962C8B-B14F-4D97-AF65-F5344CB8AC3E}">
-        <p14:creationId xmlns:p14="http://schemas.microsoft.com/office/powerpoint/2010/main" val="1091497024"/>
-      </p:ext>
-    </p:extLst>
-  </p:cSld>
-  <p:clrMapOvr>
-    <a:masterClrMapping/>
-  </p:clrMapOvr>
-</p:sld>
-</file>
-
-<file path=ppt/slides/slide9.xml><?xml version="1.0" encoding="utf-8"?>
-<p:sld xmlns:a="http://schemas.openxmlformats.org/drawingml/2006/main" xmlns:r="http://schemas.openxmlformats.org/officeDocument/2006/relationships" xmlns:p="http://schemas.openxmlformats.org/presentationml/2006/main">
-  <p:cSld>
-    <p:spTree>
-      <p:nvGrpSpPr>
-        <p:cNvPr id="1" name=""/>
-        <p:cNvGrpSpPr/>
-        <p:nvPr/>
-      </p:nvGrpSpPr>
-      <p:grpSpPr>
-        <a:xfrm>
-          <a:off x="0" y="0"/>
-          <a:ext cx="0" cy="0"/>
-          <a:chOff x="0" y="0"/>
-          <a:chExt cx="0" cy="0"/>
-        </a:xfrm>
-      </p:grpSpPr>
-      <p:sp>
-        <p:nvSpPr>
-          <p:cNvPr id="2" name="Titre 1">
-            <a:extLst>
-              <a:ext uri="{FF2B5EF4-FFF2-40B4-BE49-F238E27FC236}">
-                <a16:creationId xmlns:a16="http://schemas.microsoft.com/office/drawing/2014/main" id="{C44DB0A1-0A72-4FA2-853A-91C21E3D7A23}"/>
-              </a:ext>
-            </a:extLst>
-          </p:cNvPr>
-          <p:cNvSpPr>
-            <a:spLocks noGrp="1"/>
-          </p:cNvSpPr>
-          <p:nvPr>
-            <p:ph type="title"/>
-          </p:nvPr>
-        </p:nvSpPr>
-        <p:spPr/>
-        <p:txBody>
-          <a:bodyPr/>
-          <a:lstStyle/>
-          <a:p>
-            <a:r>
-              <a:rPr lang="fr-CA" dirty="0" err="1"/>
-              <a:t>Hidden</a:t>
-            </a:r>
-            <a:r>
-              <a:rPr lang="fr-CA" dirty="0"/>
-              <a:t> constant</a:t>
-            </a:r>
-          </a:p>
-        </p:txBody>
-      </p:sp>
-      <p:sp>
-        <p:nvSpPr>
-          <p:cNvPr id="3" name="Espace réservé du contenu 2">
-            <a:extLst>
-              <a:ext uri="{FF2B5EF4-FFF2-40B4-BE49-F238E27FC236}">
-                <a16:creationId xmlns:a16="http://schemas.microsoft.com/office/drawing/2014/main" id="{13D0999D-AB05-4AA9-89DB-C32C4AA5F63A}"/>
-              </a:ext>
-            </a:extLst>
-          </p:cNvPr>
-          <p:cNvSpPr>
-            <a:spLocks noGrp="1"/>
-          </p:cNvSpPr>
-          <p:nvPr>
-            <p:ph idx="1"/>
-          </p:nvPr>
-        </p:nvSpPr>
-        <p:spPr/>
-        <p:txBody>
-          <a:bodyPr/>
-          <a:lstStyle/>
-          <a:p>
-            <a:endParaRPr lang="fr-CA"/>
-          </a:p>
-        </p:txBody>
-      </p:sp>
-    </p:spTree>
-    <p:extLst>
-      <p:ext uri="{BB962C8B-B14F-4D97-AF65-F5344CB8AC3E}">
-        <p14:creationId xmlns:p14="http://schemas.microsoft.com/office/powerpoint/2010/main" val="379688950"/>
       </p:ext>
     </p:extLst>
   </p:cSld>

--- a/Slides.pptx
+++ b/Slides.pptx
@@ -6859,6 +6859,68 @@
       </p:grpSpPr>
       <p:sp>
         <p:nvSpPr>
+          <p:cNvPr id="5" name="Rectangle 4">
+            <a:extLst>
+              <a:ext uri="{FF2B5EF4-FFF2-40B4-BE49-F238E27FC236}">
+                <a16:creationId xmlns:a16="http://schemas.microsoft.com/office/drawing/2014/main" id="{66590D85-0519-467D-8ECF-D402CECFF035}"/>
+              </a:ext>
+            </a:extLst>
+          </p:cNvPr>
+          <p:cNvSpPr/>
+          <p:nvPr/>
+        </p:nvSpPr>
+        <p:spPr>
+          <a:xfrm>
+            <a:off x="4915367" y="1598253"/>
+            <a:ext cx="2644727" cy="3395257"/>
+          </a:xfrm>
+          <a:prstGeom prst="rect">
+            <a:avLst/>
+          </a:prstGeom>
+          <a:blipFill dpi="0" rotWithShape="1">
+            <a:blip r:embed="rId2">
+              <a:extLst>
+                <a:ext uri="{28A0092B-C50C-407E-A947-70E740481C1C}">
+                  <a14:useLocalDpi xmlns:a14="http://schemas.microsoft.com/office/drawing/2010/main" val="0"/>
+                </a:ext>
+              </a:extLst>
+            </a:blip>
+            <a:srcRect/>
+            <a:stretch>
+              <a:fillRect/>
+            </a:stretch>
+          </a:blipFill>
+          <a:ln>
+            <a:noFill/>
+          </a:ln>
+        </p:spPr>
+        <p:style>
+          <a:lnRef idx="2">
+            <a:schemeClr val="accent1">
+              <a:shade val="50000"/>
+            </a:schemeClr>
+          </a:lnRef>
+          <a:fillRef idx="1">
+            <a:schemeClr val="accent1"/>
+          </a:fillRef>
+          <a:effectRef idx="0">
+            <a:schemeClr val="accent1"/>
+          </a:effectRef>
+          <a:fontRef idx="minor">
+            <a:schemeClr val="lt1"/>
+          </a:fontRef>
+        </p:style>
+        <p:txBody>
+          <a:bodyPr rtlCol="0" anchor="ctr"/>
+          <a:lstStyle/>
+          <a:p>
+            <a:pPr algn="ctr"/>
+            <a:endParaRPr lang="fr-CA"/>
+          </a:p>
+        </p:txBody>
+      </p:sp>
+      <p:sp>
+        <p:nvSpPr>
           <p:cNvPr id="2" name="Titre 1">
             <a:extLst>
               <a:ext uri="{FF2B5EF4-FFF2-40B4-BE49-F238E27FC236}">
